--- a/Design.pptx
+++ b/Design.pptx
@@ -243,7 +243,7 @@
           <a:p>
             <a:fld id="{8AC303EC-DC4F-4A58-8D8F-CFC5B1B12982}" type="datetimeFigureOut">
               <a:rPr lang="en-US" smtClean="0"/>
-              <a:t>6/24/2021</a:t>
+              <a:t>7/1/2021</a:t>
             </a:fld>
             <a:endParaRPr lang="en-US"/>
           </a:p>
@@ -413,7 +413,7 @@
           <a:p>
             <a:fld id="{8AC303EC-DC4F-4A58-8D8F-CFC5B1B12982}" type="datetimeFigureOut">
               <a:rPr lang="en-US" smtClean="0"/>
-              <a:t>6/24/2021</a:t>
+              <a:t>7/1/2021</a:t>
             </a:fld>
             <a:endParaRPr lang="en-US"/>
           </a:p>
@@ -593,7 +593,7 @@
           <a:p>
             <a:fld id="{8AC303EC-DC4F-4A58-8D8F-CFC5B1B12982}" type="datetimeFigureOut">
               <a:rPr lang="en-US" smtClean="0"/>
-              <a:t>6/24/2021</a:t>
+              <a:t>7/1/2021</a:t>
             </a:fld>
             <a:endParaRPr lang="en-US"/>
           </a:p>
@@ -763,7 +763,7 @@
           <a:p>
             <a:fld id="{8AC303EC-DC4F-4A58-8D8F-CFC5B1B12982}" type="datetimeFigureOut">
               <a:rPr lang="en-US" smtClean="0"/>
-              <a:t>6/24/2021</a:t>
+              <a:t>7/1/2021</a:t>
             </a:fld>
             <a:endParaRPr lang="en-US"/>
           </a:p>
@@ -1009,7 +1009,7 @@
           <a:p>
             <a:fld id="{8AC303EC-DC4F-4A58-8D8F-CFC5B1B12982}" type="datetimeFigureOut">
               <a:rPr lang="en-US" smtClean="0"/>
-              <a:t>6/24/2021</a:t>
+              <a:t>7/1/2021</a:t>
             </a:fld>
             <a:endParaRPr lang="en-US"/>
           </a:p>
@@ -1241,7 +1241,7 @@
           <a:p>
             <a:fld id="{8AC303EC-DC4F-4A58-8D8F-CFC5B1B12982}" type="datetimeFigureOut">
               <a:rPr lang="en-US" smtClean="0"/>
-              <a:t>6/24/2021</a:t>
+              <a:t>7/1/2021</a:t>
             </a:fld>
             <a:endParaRPr lang="en-US"/>
           </a:p>
@@ -1608,7 +1608,7 @@
           <a:p>
             <a:fld id="{8AC303EC-DC4F-4A58-8D8F-CFC5B1B12982}" type="datetimeFigureOut">
               <a:rPr lang="en-US" smtClean="0"/>
-              <a:t>6/24/2021</a:t>
+              <a:t>7/1/2021</a:t>
             </a:fld>
             <a:endParaRPr lang="en-US"/>
           </a:p>
@@ -1726,7 +1726,7 @@
           <a:p>
             <a:fld id="{8AC303EC-DC4F-4A58-8D8F-CFC5B1B12982}" type="datetimeFigureOut">
               <a:rPr lang="en-US" smtClean="0"/>
-              <a:t>6/24/2021</a:t>
+              <a:t>7/1/2021</a:t>
             </a:fld>
             <a:endParaRPr lang="en-US"/>
           </a:p>
@@ -1821,7 +1821,7 @@
           <a:p>
             <a:fld id="{8AC303EC-DC4F-4A58-8D8F-CFC5B1B12982}" type="datetimeFigureOut">
               <a:rPr lang="en-US" smtClean="0"/>
-              <a:t>6/24/2021</a:t>
+              <a:t>7/1/2021</a:t>
             </a:fld>
             <a:endParaRPr lang="en-US"/>
           </a:p>
@@ -2098,7 +2098,7 @@
           <a:p>
             <a:fld id="{8AC303EC-DC4F-4A58-8D8F-CFC5B1B12982}" type="datetimeFigureOut">
               <a:rPr lang="en-US" smtClean="0"/>
-              <a:t>6/24/2021</a:t>
+              <a:t>7/1/2021</a:t>
             </a:fld>
             <a:endParaRPr lang="en-US"/>
           </a:p>
@@ -2351,7 +2351,7 @@
           <a:p>
             <a:fld id="{8AC303EC-DC4F-4A58-8D8F-CFC5B1B12982}" type="datetimeFigureOut">
               <a:rPr lang="en-US" smtClean="0"/>
-              <a:t>6/24/2021</a:t>
+              <a:t>7/1/2021</a:t>
             </a:fld>
             <a:endParaRPr lang="en-US"/>
           </a:p>
@@ -2564,7 +2564,7 @@
           <a:p>
             <a:fld id="{8AC303EC-DC4F-4A58-8D8F-CFC5B1B12982}" type="datetimeFigureOut">
               <a:rPr lang="en-US" smtClean="0"/>
-              <a:t>6/24/2021</a:t>
+              <a:t>7/1/2021</a:t>
             </a:fld>
             <a:endParaRPr lang="en-US"/>
           </a:p>
@@ -3128,18 +3128,16 @@
         </p:spPr>
         <p:style>
           <a:lnRef idx="2">
-            <a:schemeClr val="accent1">
-              <a:shade val="50000"/>
-            </a:schemeClr>
+            <a:schemeClr val="dk1"/>
           </a:lnRef>
           <a:fillRef idx="1">
-            <a:schemeClr val="accent1"/>
+            <a:schemeClr val="lt1"/>
           </a:fillRef>
           <a:effectRef idx="0">
-            <a:schemeClr val="accent1"/>
+            <a:schemeClr val="dk1"/>
           </a:effectRef>
           <a:fontRef idx="minor">
-            <a:schemeClr val="lt1"/>
+            <a:schemeClr val="dk1"/>
           </a:fontRef>
         </p:style>
         <p:txBody>
@@ -3565,17 +3563,7 @@
                   </a:schemeClr>
                 </a:solidFill>
               </a:rPr>
-              <a:t>Public subnet: </a:t>
-            </a:r>
-            <a:r>
-              <a:rPr lang="en-US" sz="1400" dirty="0" smtClean="0">
-                <a:solidFill>
-                  <a:schemeClr val="accent6">
-                    <a:lumMod val="75000"/>
-                  </a:schemeClr>
-                </a:solidFill>
-              </a:rPr>
-              <a:t>10.x.0.0/24</a:t>
+              <a:t>Public subnet: 10.x.0.0/24</a:t>
             </a:r>
             <a:endParaRPr lang="en-US" sz="1400" dirty="0">
               <a:solidFill>
@@ -3617,7 +3605,7 @@
                   </a:schemeClr>
                 </a:solidFill>
               </a:rPr>
-              <a:t>Private Prod App Subnet: </a:t>
+              <a:t>App </a:t>
             </a:r>
             <a:r>
               <a:rPr lang="en-US" sz="1400" dirty="0" smtClean="0">
@@ -3627,7 +3615,7 @@
                   </a:schemeClr>
                 </a:solidFill>
               </a:rPr>
-              <a:t>10.x.1.0/24</a:t>
+              <a:t>Subnet: 10.x.1.0/24</a:t>
             </a:r>
             <a:endParaRPr lang="en-US" sz="1400" dirty="0">
               <a:solidFill>
@@ -3669,7 +3657,7 @@
                   </a:schemeClr>
                 </a:solidFill>
               </a:rPr>
-              <a:t>Prod DB subnet: </a:t>
+              <a:t>DB </a:t>
             </a:r>
             <a:r>
               <a:rPr lang="en-US" sz="1400" dirty="0" smtClean="0">
@@ -3679,7 +3667,7 @@
                   </a:schemeClr>
                 </a:solidFill>
               </a:rPr>
-              <a:t>10.x.2.0/24</a:t>
+              <a:t>subnet: 10.x.2.0/24</a:t>
             </a:r>
             <a:endParaRPr lang="en-US" sz="1400" dirty="0">
               <a:solidFill>
@@ -4719,17 +4707,7 @@
                   </a:schemeClr>
                 </a:solidFill>
               </a:rPr>
-              <a:t>Failover App </a:t>
-            </a:r>
-            <a:r>
-              <a:rPr lang="en-US" sz="1400" dirty="0" smtClean="0">
-                <a:solidFill>
-                  <a:schemeClr val="accent5">
-                    <a:lumMod val="75000"/>
-                  </a:schemeClr>
-                </a:solidFill>
-              </a:rPr>
-              <a:t>Subnet: 10.x.4.0/24</a:t>
+              <a:t>Failover App Subnet: 10.x.4.0/24</a:t>
             </a:r>
             <a:endParaRPr lang="en-US" sz="1400" dirty="0">
               <a:solidFill>
@@ -4771,17 +4749,7 @@
                   </a:schemeClr>
                 </a:solidFill>
               </a:rPr>
-              <a:t>Failover DB subnet: </a:t>
-            </a:r>
-            <a:r>
-              <a:rPr lang="en-US" sz="1400" dirty="0" smtClean="0">
-                <a:solidFill>
-                  <a:schemeClr val="accent5">
-                    <a:lumMod val="75000"/>
-                  </a:schemeClr>
-                </a:solidFill>
-              </a:rPr>
-              <a:t>10.x.5.0/24</a:t>
+              <a:t>Failover DB subnet: 10.x.5.0/24</a:t>
             </a:r>
             <a:endParaRPr lang="en-US" sz="1400" dirty="0">
               <a:solidFill>
@@ -5632,6 +5600,44 @@
           <a:p>
             <a:pPr algn="ctr"/>
             <a:endParaRPr lang="en-US"/>
+          </a:p>
+        </p:txBody>
+      </p:sp>
+      <p:sp>
+        <p:nvSpPr>
+          <p:cNvPr id="3" name="TextBox 2"/>
+          <p:cNvSpPr txBox="1"/>
+          <p:nvPr/>
+        </p:nvSpPr>
+        <p:spPr>
+          <a:xfrm>
+            <a:off x="3288957" y="2903872"/>
+            <a:ext cx="1572449" cy="307777"/>
+          </a:xfrm>
+          <a:prstGeom prst="rect">
+            <a:avLst/>
+          </a:prstGeom>
+          <a:noFill/>
+        </p:spPr>
+        <p:txBody>
+          <a:bodyPr wrap="square" rtlCol="0">
+            <a:spAutoFit/>
+          </a:bodyPr>
+          <a:lstStyle/>
+          <a:p>
+            <a:r>
+              <a:rPr lang="en-US" sz="1400" dirty="0" smtClean="0">
+                <a:solidFill>
+                  <a:srgbClr val="7030A0"/>
+                </a:solidFill>
+              </a:rPr>
+              <a:t>Nat Gateway</a:t>
+            </a:r>
+            <a:endParaRPr lang="en-US" sz="1400" dirty="0">
+              <a:solidFill>
+                <a:srgbClr val="7030A0"/>
+              </a:solidFill>
+            </a:endParaRPr>
           </a:p>
         </p:txBody>
       </p:sp>
